--- a/Cyclistic Analysis_Presentation.pptx
+++ b/Cyclistic Analysis_Presentation.pptx
@@ -146,7 +146,7 @@
   <pc:docChgLst>
     <pc:chgData name="Anh Tran" userId="f231798a548aeff1" providerId="LiveId" clId="{4087AA74-8F71-4697-8798-24FD3100D6CE}"/>
     <pc:docChg chg="undo custSel addSld delSld modSld sldOrd modMainMaster">
-      <pc:chgData name="Anh Tran" userId="f231798a548aeff1" providerId="LiveId" clId="{4087AA74-8F71-4697-8798-24FD3100D6CE}" dt="2022-01-05T03:21:32.470" v="2464" actId="47"/>
+      <pc:chgData name="Anh Tran" userId="f231798a548aeff1" providerId="LiveId" clId="{4087AA74-8F71-4697-8798-24FD3100D6CE}" dt="2022-01-05T03:49:33.398" v="2471" actId="20577"/>
       <pc:docMkLst>
         <pc:docMk/>
       </pc:docMkLst>
@@ -484,7 +484,7 @@
         </pc:picChg>
       </pc:sldChg>
       <pc:sldChg chg="modSp add mod setBg">
-        <pc:chgData name="Anh Tran" userId="f231798a548aeff1" providerId="LiveId" clId="{4087AA74-8F71-4697-8798-24FD3100D6CE}" dt="2022-01-05T00:33:57.212" v="423"/>
+        <pc:chgData name="Anh Tran" userId="f231798a548aeff1" providerId="LiveId" clId="{4087AA74-8F71-4697-8798-24FD3100D6CE}" dt="2022-01-05T03:49:33.398" v="2471" actId="20577"/>
         <pc:sldMkLst>
           <pc:docMk/>
           <pc:sldMk cId="2821991309" sldId="268"/>
@@ -498,7 +498,7 @@
           </ac:spMkLst>
         </pc:spChg>
         <pc:spChg chg="mod">
-          <ac:chgData name="Anh Tran" userId="f231798a548aeff1" providerId="LiveId" clId="{4087AA74-8F71-4697-8798-24FD3100D6CE}" dt="2022-01-04T06:24:12.160" v="393" actId="20577"/>
+          <ac:chgData name="Anh Tran" userId="f231798a548aeff1" providerId="LiveId" clId="{4087AA74-8F71-4697-8798-24FD3100D6CE}" dt="2022-01-05T03:49:33.398" v="2471" actId="20577"/>
           <ac:spMkLst>
             <pc:docMk/>
             <pc:sldMk cId="2821991309" sldId="268"/>
@@ -23051,6 +23051,26 @@
           </a:bodyPr>
           <a:lstStyle/>
           <a:p>
+            <a:r>
+              <a:rPr lang="en-US" dirty="0"/>
+              <a:t>Calculate:</a:t>
+            </a:r>
+          </a:p>
+          <a:p>
+            <a:pPr lvl="1"/>
+            <a:r>
+              <a:rPr lang="en-US" dirty="0"/>
+              <a:t>the length of time for each trip</a:t>
+            </a:r>
+          </a:p>
+          <a:p>
+            <a:pPr lvl="1"/>
+            <a:r>
+              <a:rPr lang="en-US" dirty="0"/>
+              <a:t>the day of the week the trip occurred</a:t>
+            </a:r>
+          </a:p>
+          <a:p>
             <a:pPr lvl="0"/>
             <a:r>
               <a:rPr lang="en-US" dirty="0"/>
@@ -23081,15 +23101,7 @@
           <a:p>
             <a:r>
               <a:rPr lang="en-US" dirty="0"/>
-              <a:t>Identify </a:t>
-            </a:r>
-            <a:r>
-              <a:rPr lang="en-US"/>
-              <a:t>and remove </a:t>
-            </a:r>
-            <a:r>
-              <a:rPr lang="en-US" dirty="0"/>
-              <a:t>missing data:</a:t>
+              <a:t>Identify and remove missing data:</a:t>
             </a:r>
           </a:p>
           <a:p>
@@ -23109,30 +23121,12 @@
           <a:p>
             <a:r>
               <a:rPr lang="en-US" dirty="0"/>
-              <a:t>Check for duplicated rows</a:t>
+              <a:t>Check for </a:t>
             </a:r>
-          </a:p>
-          <a:p>
             <a:r>
-              <a:rPr lang="en-US" dirty="0"/>
-              <a:t>Calculate:</a:t>
+              <a:rPr lang="en-US"/>
+              <a:t>duplicated rows</a:t>
             </a:r>
-          </a:p>
-          <a:p>
-            <a:pPr lvl="1"/>
-            <a:r>
-              <a:rPr lang="en-US" dirty="0"/>
-              <a:t>the length of time for each trip</a:t>
-            </a:r>
-          </a:p>
-          <a:p>
-            <a:pPr lvl="1"/>
-            <a:r>
-              <a:rPr lang="en-US" dirty="0"/>
-              <a:t>the day of the week the trip occurred</a:t>
-            </a:r>
-          </a:p>
-          <a:p>
             <a:endParaRPr lang="en-US" dirty="0"/>
           </a:p>
         </p:txBody>
